--- a/Sesión_1/Sesion_1.pptx
+++ b/Sesión_1/Sesion_1.pptx
@@ -12,7 +12,7 @@
   </p:handoutMasterIdLst>
   <p:sldIdLst>
     <p:sldId id="256" r:id="rId5"/>
-    <p:sldId id="280" r:id="rId6"/>
+    <p:sldId id="287" r:id="rId6"/>
     <p:sldId id="274" r:id="rId7"/>
     <p:sldId id="286" r:id="rId8"/>
   </p:sldIdLst>
@@ -119,7 +119,7 @@
         <p14:section name="Sección predeterminada" id="{B3080F47-54FE-4674-8A61-9F6C6D97AC09}">
           <p14:sldIdLst>
             <p14:sldId id="256"/>
-            <p14:sldId id="280"/>
+            <p14:sldId id="287"/>
             <p14:sldId id="274"/>
             <p14:sldId id="286"/>
           </p14:sldIdLst>
@@ -161,8 +161,7 @@
 <file path=ppt/revisionInfo.xml><?xml version="1.0" encoding="utf-8"?>
 <p1510:revInfo xmlns:a="http://schemas.openxmlformats.org/drawingml/2006/main" xmlns:r="http://schemas.openxmlformats.org/officeDocument/2006/relationships" xmlns:p1510="http://schemas.microsoft.com/office/powerpoint/2015/10/main">
   <p1510:revLst>
-    <p1510:client id="{3C960EF9-9F90-4C06-ADB8-88ED32B978A2}" v="6" dt="2025-02-04T15:46:04.708"/>
-    <p1510:client id="{EA65CCE7-4D40-401A-9838-3B0831D62C6E}" v="1" dt="2025-02-05T15:21:09.158"/>
+    <p1510:client id="{EA65CCE7-4D40-401A-9838-3B0831D62C6E}" v="5" dt="2025-02-05T17:55:08.182"/>
   </p1510:revLst>
 </p1510:revInfo>
 </file>
@@ -877,10 +876,25 @@
   <pc:docChgLst>
     <pc:chgData name="JHEYSON FABIAN VILLAVISAN BUITRAGO" userId="e5ced5c2-d787-455d-b115-4f08a699b8c8" providerId="ADAL" clId="{EA65CCE7-4D40-401A-9838-3B0831D62C6E}"/>
     <pc:docChg chg="undo custSel addSld delSld modSld modSection">
-      <pc:chgData name="JHEYSON FABIAN VILLAVISAN BUITRAGO" userId="e5ced5c2-d787-455d-b115-4f08a699b8c8" providerId="ADAL" clId="{EA65CCE7-4D40-401A-9838-3B0831D62C6E}" dt="2025-02-05T15:32:06.069" v="312" actId="20577"/>
+      <pc:chgData name="JHEYSON FABIAN VILLAVISAN BUITRAGO" userId="e5ced5c2-d787-455d-b115-4f08a699b8c8" providerId="ADAL" clId="{EA65CCE7-4D40-401A-9838-3B0831D62C6E}" dt="2025-02-05T17:55:09.885" v="331" actId="47"/>
       <pc:docMkLst>
         <pc:docMk/>
       </pc:docMkLst>
+      <pc:sldChg chg="modSp del">
+        <pc:chgData name="JHEYSON FABIAN VILLAVISAN BUITRAGO" userId="e5ced5c2-d787-455d-b115-4f08a699b8c8" providerId="ADAL" clId="{EA65CCE7-4D40-401A-9838-3B0831D62C6E}" dt="2025-02-05T17:55:09.885" v="331" actId="47"/>
+        <pc:sldMkLst>
+          <pc:docMk/>
+          <pc:sldMk cId="2965408220" sldId="280"/>
+        </pc:sldMkLst>
+        <pc:graphicFrameChg chg="mod">
+          <ac:chgData name="JHEYSON FABIAN VILLAVISAN BUITRAGO" userId="e5ced5c2-d787-455d-b115-4f08a699b8c8" providerId="ADAL" clId="{EA65CCE7-4D40-401A-9838-3B0831D62C6E}" dt="2025-02-05T17:53:37.689" v="329"/>
+          <ac:graphicFrameMkLst>
+            <pc:docMk/>
+            <pc:sldMk cId="2965408220" sldId="280"/>
+            <ac:graphicFrameMk id="6" creationId="{D45444DB-DE93-829B-F32A-C3FB962F868B}"/>
+          </ac:graphicFrameMkLst>
+        </pc:graphicFrameChg>
+      </pc:sldChg>
       <pc:sldChg chg="del">
         <pc:chgData name="JHEYSON FABIAN VILLAVISAN BUITRAGO" userId="e5ced5c2-d787-455d-b115-4f08a699b8c8" providerId="ADAL" clId="{EA65CCE7-4D40-401A-9838-3B0831D62C6E}" dt="2025-02-05T15:22:22.226" v="89" actId="47"/>
         <pc:sldMkLst>
@@ -917,7 +931,7 @@
         </pc:sldMkLst>
       </pc:sldChg>
       <pc:sldChg chg="modSp add mod">
-        <pc:chgData name="JHEYSON FABIAN VILLAVISAN BUITRAGO" userId="e5ced5c2-d787-455d-b115-4f08a699b8c8" providerId="ADAL" clId="{EA65CCE7-4D40-401A-9838-3B0831D62C6E}" dt="2025-02-05T15:32:06.069" v="312" actId="20577"/>
+        <pc:chgData name="JHEYSON FABIAN VILLAVISAN BUITRAGO" userId="e5ced5c2-d787-455d-b115-4f08a699b8c8" providerId="ADAL" clId="{EA65CCE7-4D40-401A-9838-3B0831D62C6E}" dt="2025-02-05T17:52:44.814" v="326" actId="20577"/>
         <pc:sldMkLst>
           <pc:docMk/>
           <pc:sldMk cId="4035662027" sldId="286"/>
@@ -931,7 +945,7 @@
           </ac:spMkLst>
         </pc:spChg>
         <pc:spChg chg="mod">
-          <ac:chgData name="JHEYSON FABIAN VILLAVISAN BUITRAGO" userId="e5ced5c2-d787-455d-b115-4f08a699b8c8" providerId="ADAL" clId="{EA65CCE7-4D40-401A-9838-3B0831D62C6E}" dt="2025-02-05T15:32:00.210" v="311" actId="20577"/>
+          <ac:chgData name="JHEYSON FABIAN VILLAVISAN BUITRAGO" userId="e5ced5c2-d787-455d-b115-4f08a699b8c8" providerId="ADAL" clId="{EA65CCE7-4D40-401A-9838-3B0831D62C6E}" dt="2025-02-05T17:52:44.814" v="326" actId="20577"/>
           <ac:spMkLst>
             <pc:docMk/>
             <pc:sldMk cId="4035662027" sldId="286"/>
@@ -946,6 +960,13 @@
             <ac:spMk id="10" creationId="{F963AE1B-BA6C-6901-0CBF-73BCCDFF8622}"/>
           </ac:spMkLst>
         </pc:spChg>
+      </pc:sldChg>
+      <pc:sldChg chg="add">
+        <pc:chgData name="JHEYSON FABIAN VILLAVISAN BUITRAGO" userId="e5ced5c2-d787-455d-b115-4f08a699b8c8" providerId="ADAL" clId="{EA65CCE7-4D40-401A-9838-3B0831D62C6E}" dt="2025-02-05T17:55:08.181" v="330"/>
+        <pc:sldMkLst>
+          <pc:docMk/>
+          <pc:sldMk cId="2038510038" sldId="287"/>
+        </pc:sldMkLst>
       </pc:sldChg>
     </pc:docChg>
   </pc:docChgLst>
@@ -999,30 +1020,6 @@
           <pc:docMk/>
           <pc:sldMk cId="2965408220" sldId="280"/>
         </pc:sldMkLst>
-        <pc:spChg chg="mod">
-          <ac:chgData name="JHEYSON FABIAN VILLAVISAN BUITRAGO" userId="e5ced5c2-d787-455d-b115-4f08a699b8c8" providerId="ADAL" clId="{F051727E-E815-4CBA-87EC-595602D579B3}" dt="2025-01-04T00:02:04.383" v="454" actId="1076"/>
-          <ac:spMkLst>
-            <pc:docMk/>
-            <pc:sldMk cId="2965408220" sldId="280"/>
-            <ac:spMk id="8" creationId="{5932E3F1-24A7-A01F-0773-6237BD556E80}"/>
-          </ac:spMkLst>
-        </pc:spChg>
-        <pc:graphicFrameChg chg="mod modGraphic">
-          <ac:chgData name="JHEYSON FABIAN VILLAVISAN BUITRAGO" userId="e5ced5c2-d787-455d-b115-4f08a699b8c8" providerId="ADAL" clId="{F051727E-E815-4CBA-87EC-595602D579B3}" dt="2025-01-14T00:20:48.181" v="475" actId="20577"/>
-          <ac:graphicFrameMkLst>
-            <pc:docMk/>
-            <pc:sldMk cId="2965408220" sldId="280"/>
-            <ac:graphicFrameMk id="6" creationId="{D45444DB-DE93-829B-F32A-C3FB962F868B}"/>
-          </ac:graphicFrameMkLst>
-        </pc:graphicFrameChg>
-        <pc:picChg chg="mod">
-          <ac:chgData name="JHEYSON FABIAN VILLAVISAN BUITRAGO" userId="e5ced5c2-d787-455d-b115-4f08a699b8c8" providerId="ADAL" clId="{F051727E-E815-4CBA-87EC-595602D579B3}" dt="2025-01-04T00:02:11.213" v="455" actId="14100"/>
-          <ac:picMkLst>
-            <pc:docMk/>
-            <pc:sldMk cId="2965408220" sldId="280"/>
-            <ac:picMk id="4" creationId="{F6C827CA-8E86-44AB-5043-B6D399FFB89D}"/>
-          </ac:picMkLst>
-        </pc:picChg>
       </pc:sldChg>
     </pc:docChg>
   </pc:docChgLst>
@@ -8655,17 +8652,11 @@
           <p:cNvGraphicFramePr>
             <a:graphicFrameLocks noGrp="1"/>
           </p:cNvGraphicFramePr>
-          <p:nvPr>
-            <p:extLst>
-              <p:ext uri="{D42A27DB-BD31-4B8C-83A1-F6EECF244321}">
-                <p14:modId xmlns:p14="http://schemas.microsoft.com/office/powerpoint/2010/main" val="2816156241"/>
-              </p:ext>
-            </p:extLst>
-          </p:nvPr>
+          <p:nvPr/>
         </p:nvGraphicFramePr>
         <p:xfrm>
           <a:off x="863588" y="620688"/>
-          <a:ext cx="7416824" cy="5356828"/>
+          <a:ext cx="7416824" cy="5483937"/>
         </p:xfrm>
         <a:graphic>
           <a:graphicData uri="http://schemas.openxmlformats.org/drawingml/2006/table">
@@ -9274,20 +9265,27 @@
                     <a:bodyPr/>
                     <a:lstStyle/>
                     <a:p>
-                      <a:pPr algn="ctr"/>
-                      <a:r>
-                        <a:rPr lang="es-CO" sz="1000" dirty="0" err="1"/>
-                        <a:t>PSoC</a:t>
-                      </a:r>
+                      <a:pPr marL="0" marR="0" lvl="0" indent="0" algn="ctr" defTabSz="685800" rtl="0" eaLnBrk="1" fontAlgn="auto" latinLnBrk="0" hangingPunct="1">
+                        <a:lnSpc>
+                          <a:spcPct val="100000"/>
+                        </a:lnSpc>
+                        <a:spcBef>
+                          <a:spcPts val="0"/>
+                        </a:spcBef>
+                        <a:spcAft>
+                          <a:spcPts val="0"/>
+                        </a:spcAft>
+                        <a:buClrTx/>
+                        <a:buSzTx/>
+                        <a:buFontTx/>
+                        <a:buNone/>
+                        <a:tabLst/>
+                        <a:defRPr/>
+                      </a:pPr>
                       <a:r>
                         <a:rPr lang="es-CO" sz="1000" dirty="0"/>
-                        <a:t> </a:t>
+                        <a:t>Laboratorio</a:t>
                       </a:r>
-                      <a:r>
-                        <a:rPr lang="es-CO" sz="1000"/>
-                        <a:t>Creator</a:t>
-                      </a:r>
-                      <a:endParaRPr lang="es-CO" sz="1000" dirty="0"/>
                     </a:p>
                   </a:txBody>
                   <a:tcPr>
@@ -9449,6 +9447,54 @@
                   <a:txBody>
                     <a:bodyPr/>
                     <a:lstStyle/>
+                    <a:p>
+                      <a:pPr marL="0" marR="0" lvl="0" indent="0" algn="ctr" defTabSz="685800" rtl="0" eaLnBrk="1" fontAlgn="auto" latinLnBrk="0" hangingPunct="1">
+                        <a:lnSpc>
+                          <a:spcPct val="100000"/>
+                        </a:lnSpc>
+                        <a:spcBef>
+                          <a:spcPts val="0"/>
+                        </a:spcBef>
+                        <a:spcAft>
+                          <a:spcPts val="0"/>
+                        </a:spcAft>
+                        <a:buClrTx/>
+                        <a:buSzTx/>
+                        <a:buFontTx/>
+                        <a:buNone/>
+                        <a:tabLst/>
+                        <a:defRPr/>
+                      </a:pPr>
+                      <a:r>
+                        <a:rPr lang="es-CO" sz="1000" dirty="0" err="1">
+                          <a:highlight>
+                            <a:srgbClr val="00FFFF"/>
+                          </a:highlight>
+                        </a:rPr>
+                        <a:t>PSoC</a:t>
+                      </a:r>
+                      <a:r>
+                        <a:rPr lang="es-CO" sz="1000" dirty="0">
+                          <a:highlight>
+                            <a:srgbClr val="00FFFF"/>
+                          </a:highlight>
+                        </a:rPr>
+                        <a:t> </a:t>
+                      </a:r>
+                      <a:r>
+                        <a:rPr lang="es-CO" sz="1000" dirty="0" err="1">
+                          <a:highlight>
+                            <a:srgbClr val="00FFFF"/>
+                          </a:highlight>
+                        </a:rPr>
+                        <a:t>Creator</a:t>
+                      </a:r>
+                      <a:endParaRPr lang="es-CO" sz="1000" dirty="0">
+                        <a:highlight>
+                          <a:srgbClr val="00FFFF"/>
+                        </a:highlight>
+                      </a:endParaRPr>
+                    </a:p>
                     <a:p>
                       <a:pPr algn="ctr"/>
                       <a:r>
@@ -12215,7 +12261,7 @@
     </p:spTree>
     <p:extLst>
       <p:ext uri="{BB962C8B-B14F-4D97-AF65-F5344CB8AC3E}">
-        <p14:creationId xmlns:p14="http://schemas.microsoft.com/office/powerpoint/2010/main" val="2965408220"/>
+        <p14:creationId xmlns:p14="http://schemas.microsoft.com/office/powerpoint/2010/main" val="2038510038"/>
       </p:ext>
     </p:extLst>
   </p:cSld>
@@ -12958,10 +13004,22 @@
               <a:t> un </a:t>
             </a:r>
             <a:r>
+              <a:rPr lang="en-US" sz="2000" b="1" u="sng" dirty="0" err="1">
+                <a:latin typeface="+mj-lt"/>
+              </a:rPr>
+              <a:t>programa</a:t>
+            </a:r>
+            <a:r>
+              <a:rPr lang="en-US" sz="2000" b="1" dirty="0">
+                <a:latin typeface="+mj-lt"/>
+              </a:rPr>
+              <a:t> </a:t>
+            </a:r>
+            <a:r>
               <a:rPr lang="en-US" sz="2000" b="1" dirty="0" err="1">
                 <a:latin typeface="+mj-lt"/>
               </a:rPr>
-              <a:t>programa</a:t>
+              <a:t>ejecutable</a:t>
             </a:r>
             <a:r>
               <a:rPr lang="en-US" sz="2000" b="1" dirty="0">

--- a/Sesión_1/Sesion_1.pptx
+++ b/Sesión_1/Sesion_1.pptx
@@ -5,16 +5,17 @@
     <p:sldMasterId id="2147483778" r:id="rId4"/>
   </p:sldMasterIdLst>
   <p:notesMasterIdLst>
-    <p:notesMasterId r:id="rId9"/>
+    <p:notesMasterId r:id="rId10"/>
   </p:notesMasterIdLst>
   <p:handoutMasterIdLst>
-    <p:handoutMasterId r:id="rId10"/>
+    <p:handoutMasterId r:id="rId11"/>
   </p:handoutMasterIdLst>
   <p:sldIdLst>
     <p:sldId id="256" r:id="rId5"/>
     <p:sldId id="287" r:id="rId6"/>
     <p:sldId id="274" r:id="rId7"/>
     <p:sldId id="286" r:id="rId8"/>
+    <p:sldId id="288" r:id="rId9"/>
   </p:sldIdLst>
   <p:sldSz cx="9144000" cy="6858000" type="letter"/>
   <p:notesSz cx="6858000" cy="9144000"/>
@@ -122,6 +123,7 @@
             <p14:sldId id="287"/>
             <p14:sldId id="274"/>
             <p14:sldId id="286"/>
+            <p14:sldId id="288"/>
           </p14:sldIdLst>
         </p14:section>
       </p14:sectionLst>
@@ -161,7 +163,7 @@
 <file path=ppt/revisionInfo.xml><?xml version="1.0" encoding="utf-8"?>
 <p1510:revInfo xmlns:a="http://schemas.openxmlformats.org/drawingml/2006/main" xmlns:r="http://schemas.openxmlformats.org/officeDocument/2006/relationships" xmlns:p1510="http://schemas.microsoft.com/office/powerpoint/2015/10/main">
   <p1510:revLst>
-    <p1510:client id="{EA65CCE7-4D40-401A-9838-3B0831D62C6E}" v="5" dt="2025-02-05T17:55:08.182"/>
+    <p1510:client id="{EA65CCE7-4D40-401A-9838-3B0831D62C6E}" v="6" dt="2025-02-05T17:57:43.295"/>
   </p1510:revLst>
 </p1510:revInfo>
 </file>
@@ -876,7 +878,7 @@
   <pc:docChgLst>
     <pc:chgData name="JHEYSON FABIAN VILLAVISAN BUITRAGO" userId="e5ced5c2-d787-455d-b115-4f08a699b8c8" providerId="ADAL" clId="{EA65CCE7-4D40-401A-9838-3B0831D62C6E}"/>
     <pc:docChg chg="undo custSel addSld delSld modSld modSection">
-      <pc:chgData name="JHEYSON FABIAN VILLAVISAN BUITRAGO" userId="e5ced5c2-d787-455d-b115-4f08a699b8c8" providerId="ADAL" clId="{EA65CCE7-4D40-401A-9838-3B0831D62C6E}" dt="2025-02-05T17:55:09.885" v="331" actId="47"/>
+      <pc:chgData name="JHEYSON FABIAN VILLAVISAN BUITRAGO" userId="e5ced5c2-d787-455d-b115-4f08a699b8c8" providerId="ADAL" clId="{EA65CCE7-4D40-401A-9838-3B0831D62C6E}" dt="2025-02-05T18:24:21.515" v="804" actId="115"/>
       <pc:docMkLst>
         <pc:docMk/>
       </pc:docMkLst>
@@ -967,6 +969,29 @@
           <pc:docMk/>
           <pc:sldMk cId="2038510038" sldId="287"/>
         </pc:sldMkLst>
+      </pc:sldChg>
+      <pc:sldChg chg="modSp add mod">
+        <pc:chgData name="JHEYSON FABIAN VILLAVISAN BUITRAGO" userId="e5ced5c2-d787-455d-b115-4f08a699b8c8" providerId="ADAL" clId="{EA65CCE7-4D40-401A-9838-3B0831D62C6E}" dt="2025-02-05T18:24:21.515" v="804" actId="115"/>
+        <pc:sldMkLst>
+          <pc:docMk/>
+          <pc:sldMk cId="2419723712" sldId="288"/>
+        </pc:sldMkLst>
+        <pc:spChg chg="mod">
+          <ac:chgData name="JHEYSON FABIAN VILLAVISAN BUITRAGO" userId="e5ced5c2-d787-455d-b115-4f08a699b8c8" providerId="ADAL" clId="{EA65CCE7-4D40-401A-9838-3B0831D62C6E}" dt="2025-02-05T18:24:21.515" v="804" actId="115"/>
+          <ac:spMkLst>
+            <pc:docMk/>
+            <pc:sldMk cId="2419723712" sldId="288"/>
+            <ac:spMk id="4" creationId="{8CB2B69D-7CD1-8E0B-CBBD-773BC09DA1FE}"/>
+          </ac:spMkLst>
+        </pc:spChg>
+        <pc:spChg chg="mod">
+          <ac:chgData name="JHEYSON FABIAN VILLAVISAN BUITRAGO" userId="e5ced5c2-d787-455d-b115-4f08a699b8c8" providerId="ADAL" clId="{EA65CCE7-4D40-401A-9838-3B0831D62C6E}" dt="2025-02-05T18:04:54.853" v="675" actId="20577"/>
+          <ac:spMkLst>
+            <pc:docMk/>
+            <pc:sldMk cId="2419723712" sldId="288"/>
+            <ac:spMk id="10" creationId="{1B67BFDA-4C46-9F73-2D4A-7479C0A18CD9}"/>
+          </ac:spMkLst>
+        </pc:spChg>
       </pc:sldChg>
     </pc:docChg>
   </pc:docChgLst>
@@ -13784,6 +13809,958 @@
     <p:extLst>
       <p:ext uri="{BB962C8B-B14F-4D97-AF65-F5344CB8AC3E}">
         <p14:creationId xmlns:p14="http://schemas.microsoft.com/office/powerpoint/2010/main" val="4035662027"/>
+      </p:ext>
+    </p:extLst>
+  </p:cSld>
+  <p:clrMapOvr>
+    <a:masterClrMapping/>
+  </p:clrMapOvr>
+</p:sld>
+</file>
+
+<file path=ppt/slides/slide5.xml><?xml version="1.0" encoding="utf-8"?>
+<p:sld xmlns:a="http://schemas.openxmlformats.org/drawingml/2006/main" xmlns:r="http://schemas.openxmlformats.org/officeDocument/2006/relationships" xmlns:p="http://schemas.openxmlformats.org/presentationml/2006/main">
+  <p:cSld>
+    <p:spTree>
+      <p:nvGrpSpPr>
+        <p:cNvPr id="1" name="">
+          <a:extLst>
+            <a:ext uri="{FF2B5EF4-FFF2-40B4-BE49-F238E27FC236}">
+              <a16:creationId xmlns:a16="http://schemas.microsoft.com/office/drawing/2014/main" id="{00650D12-E8B8-296F-CDF8-9255CE58EDF5}"/>
+            </a:ext>
+          </a:extLst>
+        </p:cNvPr>
+        <p:cNvGrpSpPr/>
+        <p:nvPr/>
+      </p:nvGrpSpPr>
+      <p:grpSpPr>
+        <a:xfrm>
+          <a:off x="0" y="0"/>
+          <a:ext cx="0" cy="0"/>
+          <a:chOff x="0" y="0"/>
+          <a:chExt cx="0" cy="0"/>
+        </a:xfrm>
+      </p:grpSpPr>
+      <p:sp>
+        <p:nvSpPr>
+          <p:cNvPr id="2" name="Título 1">
+            <a:extLst>
+              <a:ext uri="{FF2B5EF4-FFF2-40B4-BE49-F238E27FC236}">
+                <a16:creationId xmlns:a16="http://schemas.microsoft.com/office/drawing/2014/main" id="{8F42385C-05E5-AC03-40EC-14B2C2A98B49}"/>
+              </a:ext>
+            </a:extLst>
+          </p:cNvPr>
+          <p:cNvSpPr>
+            <a:spLocks noGrp="1"/>
+          </p:cNvSpPr>
+          <p:nvPr>
+            <p:ph type="title"/>
+          </p:nvPr>
+        </p:nvSpPr>
+        <p:spPr>
+          <a:xfrm>
+            <a:off x="1032565" y="1126313"/>
+            <a:ext cx="5987707" cy="1162050"/>
+          </a:xfrm>
+        </p:spPr>
+        <p:txBody>
+          <a:bodyPr>
+            <a:normAutofit/>
+          </a:bodyPr>
+          <a:lstStyle/>
+          <a:p>
+            <a:pPr algn="l">
+              <a:spcBef>
+                <a:spcPts val="750"/>
+              </a:spcBef>
+              <a:spcAft>
+                <a:spcPts val="750"/>
+              </a:spcAft>
+            </a:pPr>
+            <a:r>
+              <a:rPr lang="en-US" sz="3200" b="1" i="0" dirty="0" err="1">
+                <a:effectLst/>
+              </a:rPr>
+              <a:t>Actividad</a:t>
+            </a:r>
+            <a:endParaRPr lang="en-US" sz="3200" b="1" i="0" dirty="0">
+              <a:effectLst/>
+            </a:endParaRPr>
+          </a:p>
+        </p:txBody>
+      </p:sp>
+      <p:sp>
+        <p:nvSpPr>
+          <p:cNvPr id="4" name="Marcador de texto 3">
+            <a:extLst>
+              <a:ext uri="{FF2B5EF4-FFF2-40B4-BE49-F238E27FC236}">
+                <a16:creationId xmlns:a16="http://schemas.microsoft.com/office/drawing/2014/main" id="{8CB2B69D-7CD1-8E0B-CBBD-773BC09DA1FE}"/>
+              </a:ext>
+            </a:extLst>
+          </p:cNvPr>
+          <p:cNvSpPr>
+            <a:spLocks noGrp="1"/>
+          </p:cNvSpPr>
+          <p:nvPr>
+            <p:ph type="body" sz="half" idx="2"/>
+          </p:nvPr>
+        </p:nvSpPr>
+        <p:spPr>
+          <a:xfrm>
+            <a:off x="1055573" y="2420888"/>
+            <a:ext cx="7432589" cy="1605049"/>
+          </a:xfrm>
+        </p:spPr>
+        <p:txBody>
+          <a:bodyPr>
+            <a:noAutofit/>
+          </a:bodyPr>
+          <a:lstStyle/>
+          <a:p>
+            <a:pPr algn="l"/>
+            <a:r>
+              <a:rPr lang="en-US" sz="2000" b="1" dirty="0" err="1">
+                <a:latin typeface="+mj-lt"/>
+              </a:rPr>
+              <a:t>Diseñe</a:t>
+            </a:r>
+            <a:r>
+              <a:rPr lang="en-US" sz="2000" b="1" dirty="0">
+                <a:latin typeface="+mj-lt"/>
+              </a:rPr>
+              <a:t> </a:t>
+            </a:r>
+            <a:r>
+              <a:rPr lang="en-US" sz="2000" b="1" dirty="0" err="1">
+                <a:latin typeface="+mj-lt"/>
+              </a:rPr>
+              <a:t>en</a:t>
+            </a:r>
+            <a:r>
+              <a:rPr lang="en-US" sz="2000" b="1" dirty="0">
+                <a:latin typeface="+mj-lt"/>
+              </a:rPr>
+              <a:t> C un </a:t>
+            </a:r>
+            <a:r>
+              <a:rPr lang="en-US" sz="2000" b="1" u="sng" dirty="0" err="1">
+                <a:latin typeface="+mj-lt"/>
+              </a:rPr>
+              <a:t>simulador</a:t>
+            </a:r>
+            <a:r>
+              <a:rPr lang="en-US" sz="2000" b="1" u="sng" dirty="0">
+                <a:latin typeface="+mj-lt"/>
+              </a:rPr>
+              <a:t> del </a:t>
+            </a:r>
+            <a:r>
+              <a:rPr lang="en-US" sz="2000" b="1" u="sng" dirty="0" err="1">
+                <a:latin typeface="+mj-lt"/>
+              </a:rPr>
+              <a:t>juego</a:t>
+            </a:r>
+            <a:r>
+              <a:rPr lang="en-US" sz="2000" b="1" dirty="0">
+                <a:latin typeface="+mj-lt"/>
+              </a:rPr>
+              <a:t> del </a:t>
+            </a:r>
+            <a:r>
+              <a:rPr lang="en-US" sz="2000" b="1" dirty="0" err="1">
+                <a:latin typeface="+mj-lt"/>
+              </a:rPr>
+              <a:t>Ahorcado</a:t>
+            </a:r>
+            <a:r>
+              <a:rPr lang="en-US" sz="2000" b="1" dirty="0">
+                <a:latin typeface="+mj-lt"/>
+              </a:rPr>
+              <a:t>:</a:t>
+            </a:r>
+          </a:p>
+          <a:p>
+            <a:pPr algn="l"/>
+            <a:r>
+              <a:rPr lang="en-US" sz="2000" b="1" dirty="0">
+                <a:latin typeface="+mj-lt"/>
+              </a:rPr>
+              <a:t>Para </a:t>
+            </a:r>
+            <a:r>
+              <a:rPr lang="en-US" sz="2000" b="1" dirty="0" err="1">
+                <a:latin typeface="+mj-lt"/>
+              </a:rPr>
+              <a:t>una</a:t>
+            </a:r>
+            <a:r>
+              <a:rPr lang="en-US" sz="2000" b="1" dirty="0">
+                <a:latin typeface="+mj-lt"/>
+              </a:rPr>
+              <a:t> sola palabra, con </a:t>
+            </a:r>
+            <a:r>
+              <a:rPr lang="en-US" sz="2000" b="1" dirty="0" err="1">
+                <a:latin typeface="+mj-lt"/>
+              </a:rPr>
+              <a:t>tres</a:t>
+            </a:r>
+            <a:r>
+              <a:rPr lang="en-US" sz="2000" b="1" dirty="0">
+                <a:latin typeface="+mj-lt"/>
+              </a:rPr>
+              <a:t> </a:t>
+            </a:r>
+            <a:r>
+              <a:rPr lang="en-US" sz="2000" b="1" dirty="0" err="1">
+                <a:latin typeface="+mj-lt"/>
+              </a:rPr>
+              <a:t>niveles</a:t>
+            </a:r>
+            <a:r>
+              <a:rPr lang="en-US" sz="2000" b="1" dirty="0">
+                <a:latin typeface="+mj-lt"/>
+              </a:rPr>
+              <a:t>.</a:t>
+            </a:r>
+          </a:p>
+          <a:p>
+            <a:pPr algn="l"/>
+            <a:r>
+              <a:rPr lang="en-US" sz="2000" b="1" dirty="0">
+                <a:latin typeface="+mj-lt"/>
+              </a:rPr>
+              <a:t>Easy, Medium, Hard. (</a:t>
+            </a:r>
+            <a:r>
+              <a:rPr lang="en-US" sz="2000" b="1" dirty="0" err="1">
+                <a:latin typeface="+mj-lt"/>
+              </a:rPr>
+              <a:t>Usted</a:t>
+            </a:r>
+            <a:r>
+              <a:rPr lang="en-US" sz="2000" b="1" dirty="0">
+                <a:latin typeface="+mj-lt"/>
+              </a:rPr>
+              <a:t> define la </a:t>
+            </a:r>
+            <a:r>
+              <a:rPr lang="en-US" sz="2000" b="1" dirty="0" err="1">
+                <a:latin typeface="+mj-lt"/>
+              </a:rPr>
+              <a:t>cantidad</a:t>
+            </a:r>
+            <a:r>
+              <a:rPr lang="en-US" sz="2000" b="1" dirty="0">
+                <a:latin typeface="+mj-lt"/>
+              </a:rPr>
+              <a:t> de </a:t>
+            </a:r>
+            <a:r>
+              <a:rPr lang="en-US" sz="2000" b="1" dirty="0" err="1">
+                <a:latin typeface="+mj-lt"/>
+              </a:rPr>
+              <a:t>intentos</a:t>
+            </a:r>
+            <a:r>
+              <a:rPr lang="en-US" sz="2000" b="1" dirty="0">
+                <a:latin typeface="+mj-lt"/>
+              </a:rPr>
+              <a:t> de </a:t>
+            </a:r>
+            <a:r>
+              <a:rPr lang="en-US" sz="2000" b="1" dirty="0" err="1">
+                <a:latin typeface="+mj-lt"/>
+              </a:rPr>
+              <a:t>cada</a:t>
+            </a:r>
+            <a:r>
+              <a:rPr lang="en-US" sz="2000" b="1" dirty="0">
+                <a:latin typeface="+mj-lt"/>
+              </a:rPr>
+              <a:t> </a:t>
+            </a:r>
+            <a:r>
+              <a:rPr lang="en-US" sz="2000" b="1" dirty="0" err="1">
+                <a:latin typeface="+mj-lt"/>
+              </a:rPr>
+              <a:t>nivel</a:t>
+            </a:r>
+            <a:r>
+              <a:rPr lang="en-US" sz="2000" b="1" dirty="0">
+                <a:latin typeface="+mj-lt"/>
+              </a:rPr>
+              <a:t>)</a:t>
+            </a:r>
+          </a:p>
+          <a:p>
+            <a:pPr algn="l"/>
+            <a:r>
+              <a:rPr lang="en-US" sz="2000" b="1" dirty="0">
+                <a:latin typeface="+mj-lt"/>
+              </a:rPr>
+              <a:t>En </a:t>
+            </a:r>
+            <a:r>
+              <a:rPr lang="en-US" sz="2000" b="1" dirty="0" err="1">
+                <a:latin typeface="+mj-lt"/>
+              </a:rPr>
+              <a:t>donde</a:t>
+            </a:r>
+            <a:r>
+              <a:rPr lang="en-US" sz="2000" b="1" dirty="0">
+                <a:latin typeface="+mj-lt"/>
+              </a:rPr>
+              <a:t> la </a:t>
+            </a:r>
+            <a:r>
+              <a:rPr lang="en-US" sz="2000" b="1" dirty="0" err="1">
+                <a:latin typeface="+mj-lt"/>
+              </a:rPr>
+              <a:t>interfaz</a:t>
+            </a:r>
+            <a:r>
+              <a:rPr lang="en-US" sz="2000" b="1" dirty="0">
+                <a:latin typeface="+mj-lt"/>
+              </a:rPr>
+              <a:t> </a:t>
+            </a:r>
+            <a:r>
+              <a:rPr lang="en-US" sz="2000" b="1" dirty="0" err="1">
+                <a:latin typeface="+mj-lt"/>
+              </a:rPr>
+              <a:t>muestre</a:t>
+            </a:r>
+            <a:r>
+              <a:rPr lang="en-US" sz="2000" b="1" dirty="0">
+                <a:latin typeface="+mj-lt"/>
+              </a:rPr>
+              <a:t> </a:t>
+            </a:r>
+            <a:r>
+              <a:rPr lang="en-US" sz="2000" b="1" dirty="0" err="1">
+                <a:latin typeface="+mj-lt"/>
+              </a:rPr>
+              <a:t>el</a:t>
+            </a:r>
+            <a:r>
+              <a:rPr lang="en-US" sz="2000" b="1" dirty="0">
+                <a:latin typeface="+mj-lt"/>
+              </a:rPr>
+              <a:t> </a:t>
+            </a:r>
+            <a:r>
+              <a:rPr lang="en-US" sz="2000" b="1" dirty="0" err="1">
+                <a:latin typeface="+mj-lt"/>
+              </a:rPr>
+              <a:t>progreso</a:t>
+            </a:r>
+            <a:r>
+              <a:rPr lang="en-US" sz="2000" b="1" dirty="0">
+                <a:latin typeface="+mj-lt"/>
+              </a:rPr>
+              <a:t> (</a:t>
+            </a:r>
+            <a:r>
+              <a:rPr lang="en-US" sz="2000" b="1" dirty="0" err="1">
+                <a:latin typeface="+mj-lt"/>
+              </a:rPr>
+              <a:t>el</a:t>
+            </a:r>
+            <a:r>
+              <a:rPr lang="en-US" sz="2000" b="1" dirty="0">
+                <a:latin typeface="+mj-lt"/>
+              </a:rPr>
+              <a:t> </a:t>
+            </a:r>
+            <a:r>
+              <a:rPr lang="en-US" sz="2000" b="1" dirty="0" err="1">
+                <a:latin typeface="+mj-lt"/>
+              </a:rPr>
+              <a:t>muñeco</a:t>
+            </a:r>
+            <a:r>
+              <a:rPr lang="en-US" sz="2000" b="1" dirty="0">
+                <a:latin typeface="+mj-lt"/>
+              </a:rPr>
+              <a:t> </a:t>
+            </a:r>
+            <a:r>
+              <a:rPr lang="en-US" sz="2000" b="1" dirty="0" err="1">
+                <a:latin typeface="+mj-lt"/>
+              </a:rPr>
+              <a:t>ahorcado</a:t>
+            </a:r>
+            <a:r>
+              <a:rPr lang="en-US" sz="2000" b="1" dirty="0">
+                <a:latin typeface="+mj-lt"/>
+              </a:rPr>
+              <a:t>) EJEMPLO:</a:t>
+            </a:r>
+          </a:p>
+          <a:p>
+            <a:pPr algn="l"/>
+            <a:r>
+              <a:rPr lang="en-US" sz="1600" b="1" dirty="0">
+                <a:latin typeface="+mj-lt"/>
+              </a:rPr>
+              <a:t>“   +---------+  ”</a:t>
+            </a:r>
+          </a:p>
+          <a:p>
+            <a:r>
+              <a:rPr lang="en-US" sz="1600" b="1" dirty="0">
+                <a:latin typeface="+mj-lt"/>
+              </a:rPr>
+              <a:t>“   |            |  ”</a:t>
+            </a:r>
+          </a:p>
+          <a:p>
+            <a:r>
+              <a:rPr lang="en-US" sz="1600" b="1" dirty="0">
+                <a:latin typeface="+mj-lt"/>
+              </a:rPr>
+              <a:t>“   0            |  ”</a:t>
+            </a:r>
+          </a:p>
+          <a:p>
+            <a:r>
+              <a:rPr lang="en-US" sz="1600" b="1" dirty="0">
+                <a:latin typeface="+mj-lt"/>
+              </a:rPr>
+              <a:t>“ /|\           |  ”</a:t>
+            </a:r>
+          </a:p>
+          <a:p>
+            <a:r>
+              <a:rPr lang="en-US" sz="1600" b="1" dirty="0">
+                <a:latin typeface="+mj-lt"/>
+              </a:rPr>
+              <a:t>“   |            |  ”</a:t>
+            </a:r>
+          </a:p>
+          <a:p>
+            <a:r>
+              <a:rPr lang="en-US" sz="1600" b="1" dirty="0">
+                <a:latin typeface="+mj-lt"/>
+              </a:rPr>
+              <a:t>“  /\            |  ”</a:t>
+            </a:r>
+          </a:p>
+          <a:p>
+            <a:r>
+              <a:rPr lang="en-US" sz="1600" b="1" dirty="0">
+                <a:latin typeface="+mj-lt"/>
+              </a:rPr>
+              <a:t>“ =========  ”</a:t>
+            </a:r>
+          </a:p>
+          <a:p>
+            <a:endParaRPr lang="en-US" sz="2000" b="1" dirty="0">
+              <a:latin typeface="+mj-lt"/>
+            </a:endParaRPr>
+          </a:p>
+          <a:p>
+            <a:endParaRPr lang="en-US" sz="2000" b="1" dirty="0">
+              <a:latin typeface="+mj-lt"/>
+            </a:endParaRPr>
+          </a:p>
+          <a:p>
+            <a:endParaRPr lang="en-US" sz="2000" b="1" dirty="0">
+              <a:latin typeface="+mj-lt"/>
+            </a:endParaRPr>
+          </a:p>
+          <a:p>
+            <a:endParaRPr lang="en-US" sz="2000" b="1" dirty="0">
+              <a:latin typeface="+mj-lt"/>
+            </a:endParaRPr>
+          </a:p>
+          <a:p>
+            <a:pPr algn="l"/>
+            <a:endParaRPr lang="en-US" sz="2000" b="1" dirty="0">
+              <a:latin typeface="+mj-lt"/>
+            </a:endParaRPr>
+          </a:p>
+        </p:txBody>
+      </p:sp>
+      <p:sp>
+        <p:nvSpPr>
+          <p:cNvPr id="10" name="1 Título">
+            <a:extLst>
+              <a:ext uri="{FF2B5EF4-FFF2-40B4-BE49-F238E27FC236}">
+                <a16:creationId xmlns:a16="http://schemas.microsoft.com/office/drawing/2014/main" id="{1B67BFDA-4C46-9F73-2D4A-7479C0A18CD9}"/>
+              </a:ext>
+            </a:extLst>
+          </p:cNvPr>
+          <p:cNvSpPr txBox="1">
+            <a:spLocks/>
+          </p:cNvSpPr>
+          <p:nvPr/>
+        </p:nvSpPr>
+        <p:spPr bwMode="auto">
+          <a:xfrm>
+            <a:off x="0" y="-28575"/>
+            <a:ext cx="779463" cy="720725"/>
+          </a:xfrm>
+          <a:prstGeom prst="rect">
+            <a:avLst/>
+          </a:prstGeom>
+          <a:noFill/>
+          <a:ln>
+            <a:noFill/>
+          </a:ln>
+          <a:extLst>
+            <a:ext uri="{909E8E84-426E-40DD-AFC4-6F175D3DCCD1}">
+              <a14:hiddenFill xmlns:a14="http://schemas.microsoft.com/office/drawing/2010/main">
+                <a:solidFill>
+                  <a:srgbClr val="FFFFFF"/>
+                </a:solidFill>
+              </a14:hiddenFill>
+            </a:ext>
+            <a:ext uri="{91240B29-F687-4F45-9708-019B960494DF}">
+              <a14:hiddenLine xmlns:a14="http://schemas.microsoft.com/office/drawing/2010/main" w="9525">
+                <a:solidFill>
+                  <a:srgbClr val="000000"/>
+                </a:solidFill>
+                <a:miter lim="800000"/>
+                <a:headEnd/>
+                <a:tailEnd/>
+              </a14:hiddenLine>
+            </a:ext>
+          </a:extLst>
+        </p:spPr>
+        <p:txBody>
+          <a:bodyPr vert="horz" wrap="square" lIns="91440" tIns="45720" rIns="91440" bIns="45720" numCol="1" anchor="b" anchorCtr="0" compatLnSpc="1">
+            <a:prstTxWarp prst="textNoShape">
+              <a:avLst/>
+            </a:prstTxWarp>
+          </a:bodyPr>
+          <a:lstStyle>
+            <a:lvl1pPr algn="l" rtl="0" eaLnBrk="0" fontAlgn="base" hangingPunct="0">
+              <a:spcBef>
+                <a:spcPct val="0"/>
+              </a:spcBef>
+              <a:spcAft>
+                <a:spcPct val="0"/>
+              </a:spcAft>
+              <a:defRPr sz="2000" b="1" kern="1200">
+                <a:solidFill>
+                  <a:schemeClr val="tx1"/>
+                </a:solidFill>
+                <a:latin typeface="Arial" pitchFamily="34" charset="0"/>
+                <a:ea typeface="+mj-ea"/>
+                <a:cs typeface="Arial" pitchFamily="34" charset="0"/>
+              </a:defRPr>
+            </a:lvl1pPr>
+            <a:lvl2pPr algn="l" rtl="0" eaLnBrk="0" fontAlgn="base" hangingPunct="0">
+              <a:spcBef>
+                <a:spcPct val="0"/>
+              </a:spcBef>
+              <a:spcAft>
+                <a:spcPct val="0"/>
+              </a:spcAft>
+              <a:defRPr sz="4400">
+                <a:solidFill>
+                  <a:schemeClr val="tx1"/>
+                </a:solidFill>
+                <a:latin typeface="Arial" charset="0"/>
+                <a:cs typeface="Arial" charset="0"/>
+              </a:defRPr>
+            </a:lvl2pPr>
+            <a:lvl3pPr algn="l" rtl="0" eaLnBrk="0" fontAlgn="base" hangingPunct="0">
+              <a:spcBef>
+                <a:spcPct val="0"/>
+              </a:spcBef>
+              <a:spcAft>
+                <a:spcPct val="0"/>
+              </a:spcAft>
+              <a:defRPr sz="4400">
+                <a:solidFill>
+                  <a:schemeClr val="tx1"/>
+                </a:solidFill>
+                <a:latin typeface="Arial" charset="0"/>
+                <a:cs typeface="Arial" charset="0"/>
+              </a:defRPr>
+            </a:lvl3pPr>
+            <a:lvl4pPr algn="l" rtl="0" eaLnBrk="0" fontAlgn="base" hangingPunct="0">
+              <a:spcBef>
+                <a:spcPct val="0"/>
+              </a:spcBef>
+              <a:spcAft>
+                <a:spcPct val="0"/>
+              </a:spcAft>
+              <a:defRPr sz="4400">
+                <a:solidFill>
+                  <a:schemeClr val="tx1"/>
+                </a:solidFill>
+                <a:latin typeface="Arial" charset="0"/>
+                <a:cs typeface="Arial" charset="0"/>
+              </a:defRPr>
+            </a:lvl4pPr>
+            <a:lvl5pPr algn="l" rtl="0" eaLnBrk="0" fontAlgn="base" hangingPunct="0">
+              <a:spcBef>
+                <a:spcPct val="0"/>
+              </a:spcBef>
+              <a:spcAft>
+                <a:spcPct val="0"/>
+              </a:spcAft>
+              <a:defRPr sz="4400">
+                <a:solidFill>
+                  <a:schemeClr val="tx1"/>
+                </a:solidFill>
+                <a:latin typeface="Arial" charset="0"/>
+                <a:cs typeface="Arial" charset="0"/>
+              </a:defRPr>
+            </a:lvl5pPr>
+            <a:lvl6pPr marL="457200" algn="l" rtl="0" fontAlgn="base">
+              <a:spcBef>
+                <a:spcPct val="0"/>
+              </a:spcBef>
+              <a:spcAft>
+                <a:spcPct val="0"/>
+              </a:spcAft>
+              <a:defRPr sz="4400">
+                <a:solidFill>
+                  <a:schemeClr val="tx1"/>
+                </a:solidFill>
+                <a:latin typeface="Arial" charset="0"/>
+                <a:cs typeface="Arial" charset="0"/>
+              </a:defRPr>
+            </a:lvl6pPr>
+            <a:lvl7pPr marL="914400" algn="l" rtl="0" fontAlgn="base">
+              <a:spcBef>
+                <a:spcPct val="0"/>
+              </a:spcBef>
+              <a:spcAft>
+                <a:spcPct val="0"/>
+              </a:spcAft>
+              <a:defRPr sz="4400">
+                <a:solidFill>
+                  <a:schemeClr val="tx1"/>
+                </a:solidFill>
+                <a:latin typeface="Arial" charset="0"/>
+                <a:cs typeface="Arial" charset="0"/>
+              </a:defRPr>
+            </a:lvl7pPr>
+            <a:lvl8pPr marL="1371600" algn="l" rtl="0" fontAlgn="base">
+              <a:spcBef>
+                <a:spcPct val="0"/>
+              </a:spcBef>
+              <a:spcAft>
+                <a:spcPct val="0"/>
+              </a:spcAft>
+              <a:defRPr sz="4400">
+                <a:solidFill>
+                  <a:schemeClr val="tx1"/>
+                </a:solidFill>
+                <a:latin typeface="Arial" charset="0"/>
+                <a:cs typeface="Arial" charset="0"/>
+              </a:defRPr>
+            </a:lvl8pPr>
+            <a:lvl9pPr marL="1828800" algn="l" rtl="0" fontAlgn="base">
+              <a:spcBef>
+                <a:spcPct val="0"/>
+              </a:spcBef>
+              <a:spcAft>
+                <a:spcPct val="0"/>
+              </a:spcAft>
+              <a:defRPr sz="4400">
+                <a:solidFill>
+                  <a:schemeClr val="tx1"/>
+                </a:solidFill>
+                <a:latin typeface="Arial" charset="0"/>
+                <a:cs typeface="Arial" charset="0"/>
+              </a:defRPr>
+            </a:lvl9pPr>
+          </a:lstStyle>
+          <a:p>
+            <a:pPr algn="ctr" eaLnBrk="1" hangingPunct="1"/>
+            <a:r>
+              <a:rPr lang="es-CO" altLang="es-CO" sz="3200" b="0" dirty="0"/>
+              <a:t>5</a:t>
+            </a:r>
+            <a:endParaRPr lang="es-CO" altLang="es-CO" sz="3600" b="0" dirty="0"/>
+          </a:p>
+        </p:txBody>
+      </p:sp>
+      <p:pic>
+        <p:nvPicPr>
+          <p:cNvPr id="14" name="Picture 4" descr="Programas - Intranet ETITC">
+            <a:extLst>
+              <a:ext uri="{FF2B5EF4-FFF2-40B4-BE49-F238E27FC236}">
+                <a16:creationId xmlns:a16="http://schemas.microsoft.com/office/drawing/2014/main" id="{97C4B78A-0838-F96D-F3C2-5F8F0872B7B3}"/>
+              </a:ext>
+            </a:extLst>
+          </p:cNvPr>
+          <p:cNvPicPr>
+            <a:picLocks noChangeAspect="1" noChangeArrowheads="1"/>
+          </p:cNvPicPr>
+          <p:nvPr/>
+        </p:nvPicPr>
+        <p:blipFill>
+          <a:blip r:embed="rId2">
+            <a:extLst>
+              <a:ext uri="{28A0092B-C50C-407E-A947-70E740481C1C}">
+                <a14:useLocalDpi xmlns:a14="http://schemas.microsoft.com/office/drawing/2010/main" val="0"/>
+              </a:ext>
+            </a:extLst>
+          </a:blip>
+          <a:srcRect/>
+          <a:stretch>
+            <a:fillRect/>
+          </a:stretch>
+        </p:blipFill>
+        <p:spPr bwMode="auto">
+          <a:xfrm>
+            <a:off x="795338" y="44758"/>
+            <a:ext cx="2483768" cy="794720"/>
+          </a:xfrm>
+          <a:prstGeom prst="rect">
+            <a:avLst/>
+          </a:prstGeom>
+          <a:noFill/>
+          <a:extLst>
+            <a:ext uri="{909E8E84-426E-40DD-AFC4-6F175D3DCCD1}">
+              <a14:hiddenFill xmlns:a14="http://schemas.microsoft.com/office/drawing/2010/main">
+                <a:solidFill>
+                  <a:srgbClr val="FFFFFF"/>
+                </a:solidFill>
+              </a14:hiddenFill>
+            </a:ext>
+          </a:extLst>
+        </p:spPr>
+      </p:pic>
+      <p:sp>
+        <p:nvSpPr>
+          <p:cNvPr id="5" name="2 Subtítulo">
+            <a:extLst>
+              <a:ext uri="{FF2B5EF4-FFF2-40B4-BE49-F238E27FC236}">
+                <a16:creationId xmlns:a16="http://schemas.microsoft.com/office/drawing/2014/main" id="{20F687F8-1AD1-F741-CEDF-8205A6CE9DF7}"/>
+              </a:ext>
+            </a:extLst>
+          </p:cNvPr>
+          <p:cNvSpPr txBox="1">
+            <a:spLocks/>
+          </p:cNvSpPr>
+          <p:nvPr/>
+        </p:nvSpPr>
+        <p:spPr bwMode="auto">
+          <a:xfrm>
+            <a:off x="2267744" y="259824"/>
+            <a:ext cx="6400800" cy="500063"/>
+          </a:xfrm>
+          <a:prstGeom prst="rect">
+            <a:avLst/>
+          </a:prstGeom>
+          <a:noFill/>
+          <a:ln>
+            <a:noFill/>
+          </a:ln>
+          <a:extLst>
+            <a:ext uri="{909E8E84-426E-40DD-AFC4-6F175D3DCCD1}">
+              <a14:hiddenFill xmlns:a14="http://schemas.microsoft.com/office/drawing/2010/main">
+                <a:solidFill>
+                  <a:srgbClr val="FFFFFF"/>
+                </a:solidFill>
+              </a14:hiddenFill>
+            </a:ext>
+            <a:ext uri="{91240B29-F687-4F45-9708-019B960494DF}">
+              <a14:hiddenLine xmlns:a14="http://schemas.microsoft.com/office/drawing/2010/main" w="9525">
+                <a:solidFill>
+                  <a:srgbClr val="000000"/>
+                </a:solidFill>
+                <a:miter lim="800000"/>
+                <a:headEnd/>
+                <a:tailEnd/>
+              </a14:hiddenLine>
+            </a:ext>
+          </a:extLst>
+        </p:spPr>
+        <p:txBody>
+          <a:bodyPr vert="horz" wrap="square" lIns="91440" tIns="45720" rIns="91440" bIns="45720" numCol="1" rtlCol="0" anchor="t" anchorCtr="0" compatLnSpc="1">
+            <a:prstTxWarp prst="textNoShape">
+              <a:avLst/>
+            </a:prstTxWarp>
+            <a:noAutofit/>
+          </a:bodyPr>
+          <a:lstStyle>
+            <a:lvl1pPr marL="342900" indent="-342900" algn="l" rtl="0" eaLnBrk="0" fontAlgn="base" hangingPunct="0">
+              <a:spcBef>
+                <a:spcPct val="20000"/>
+              </a:spcBef>
+              <a:spcAft>
+                <a:spcPct val="0"/>
+              </a:spcAft>
+              <a:buFont typeface="Arial" panose="020B0604020202020204" pitchFamily="34" charset="0"/>
+              <a:buChar char="•"/>
+              <a:defRPr sz="3200" kern="1200">
+                <a:solidFill>
+                  <a:schemeClr val="tx1"/>
+                </a:solidFill>
+                <a:latin typeface="Arial" pitchFamily="34" charset="0"/>
+                <a:ea typeface="+mn-ea"/>
+                <a:cs typeface="Arial" pitchFamily="34" charset="0"/>
+              </a:defRPr>
+            </a:lvl1pPr>
+            <a:lvl2pPr marL="742950" indent="-285750" algn="l" rtl="0" eaLnBrk="0" fontAlgn="base" hangingPunct="0">
+              <a:spcBef>
+                <a:spcPct val="20000"/>
+              </a:spcBef>
+              <a:spcAft>
+                <a:spcPct val="0"/>
+              </a:spcAft>
+              <a:buFont typeface="Arial" panose="020B0604020202020204" pitchFamily="34" charset="0"/>
+              <a:buChar char="–"/>
+              <a:defRPr sz="2800" kern="1200">
+                <a:solidFill>
+                  <a:schemeClr val="tx1"/>
+                </a:solidFill>
+                <a:latin typeface="Arial" pitchFamily="34" charset="0"/>
+                <a:ea typeface="+mn-ea"/>
+                <a:cs typeface="Arial" pitchFamily="34" charset="0"/>
+              </a:defRPr>
+            </a:lvl2pPr>
+            <a:lvl3pPr marL="1143000" indent="-228600" algn="l" rtl="0" eaLnBrk="0" fontAlgn="base" hangingPunct="0">
+              <a:spcBef>
+                <a:spcPct val="20000"/>
+              </a:spcBef>
+              <a:spcAft>
+                <a:spcPct val="0"/>
+              </a:spcAft>
+              <a:buFont typeface="Arial" panose="020B0604020202020204" pitchFamily="34" charset="0"/>
+              <a:buChar char="•"/>
+              <a:defRPr sz="2400" kern="1200">
+                <a:solidFill>
+                  <a:schemeClr val="tx1"/>
+                </a:solidFill>
+                <a:latin typeface="Arial" pitchFamily="34" charset="0"/>
+                <a:ea typeface="+mn-ea"/>
+                <a:cs typeface="Arial" pitchFamily="34" charset="0"/>
+              </a:defRPr>
+            </a:lvl3pPr>
+            <a:lvl4pPr marL="1600200" indent="-228600" algn="l" rtl="0" eaLnBrk="0" fontAlgn="base" hangingPunct="0">
+              <a:spcBef>
+                <a:spcPct val="20000"/>
+              </a:spcBef>
+              <a:spcAft>
+                <a:spcPct val="0"/>
+              </a:spcAft>
+              <a:buFont typeface="Arial" panose="020B0604020202020204" pitchFamily="34" charset="0"/>
+              <a:buChar char="–"/>
+              <a:defRPr sz="2000" kern="1200">
+                <a:solidFill>
+                  <a:schemeClr val="tx1"/>
+                </a:solidFill>
+                <a:latin typeface="Arial" pitchFamily="34" charset="0"/>
+                <a:ea typeface="+mn-ea"/>
+                <a:cs typeface="Arial" pitchFamily="34" charset="0"/>
+              </a:defRPr>
+            </a:lvl4pPr>
+            <a:lvl5pPr marL="2057400" indent="-228600" algn="l" rtl="0" eaLnBrk="0" fontAlgn="base" hangingPunct="0">
+              <a:spcBef>
+                <a:spcPct val="20000"/>
+              </a:spcBef>
+              <a:spcAft>
+                <a:spcPct val="0"/>
+              </a:spcAft>
+              <a:buFont typeface="Arial" panose="020B0604020202020204" pitchFamily="34" charset="0"/>
+              <a:buChar char="»"/>
+              <a:defRPr sz="2000" kern="1200">
+                <a:solidFill>
+                  <a:schemeClr val="tx1"/>
+                </a:solidFill>
+                <a:latin typeface="Arial" pitchFamily="34" charset="0"/>
+                <a:ea typeface="+mn-ea"/>
+                <a:cs typeface="Arial" pitchFamily="34" charset="0"/>
+              </a:defRPr>
+            </a:lvl5pPr>
+            <a:lvl6pPr marL="2514600" indent="-228600" algn="l" defTabSz="914400" rtl="0" eaLnBrk="1" latinLnBrk="0" hangingPunct="1">
+              <a:spcBef>
+                <a:spcPct val="20000"/>
+              </a:spcBef>
+              <a:buFont typeface="Arial" pitchFamily="34" charset="0"/>
+              <a:buChar char="•"/>
+              <a:defRPr sz="2000" kern="1200">
+                <a:solidFill>
+                  <a:schemeClr val="tx1"/>
+                </a:solidFill>
+                <a:latin typeface="+mn-lt"/>
+                <a:ea typeface="+mn-ea"/>
+                <a:cs typeface="+mn-cs"/>
+              </a:defRPr>
+            </a:lvl6pPr>
+            <a:lvl7pPr marL="2971800" indent="-228600" algn="l" defTabSz="914400" rtl="0" eaLnBrk="1" latinLnBrk="0" hangingPunct="1">
+              <a:spcBef>
+                <a:spcPct val="20000"/>
+              </a:spcBef>
+              <a:buFont typeface="Arial" pitchFamily="34" charset="0"/>
+              <a:buChar char="•"/>
+              <a:defRPr sz="2000" kern="1200">
+                <a:solidFill>
+                  <a:schemeClr val="tx1"/>
+                </a:solidFill>
+                <a:latin typeface="+mn-lt"/>
+                <a:ea typeface="+mn-ea"/>
+                <a:cs typeface="+mn-cs"/>
+              </a:defRPr>
+            </a:lvl7pPr>
+            <a:lvl8pPr marL="3429000" indent="-228600" algn="l" defTabSz="914400" rtl="0" eaLnBrk="1" latinLnBrk="0" hangingPunct="1">
+              <a:spcBef>
+                <a:spcPct val="20000"/>
+              </a:spcBef>
+              <a:buFont typeface="Arial" pitchFamily="34" charset="0"/>
+              <a:buChar char="•"/>
+              <a:defRPr sz="2000" kern="1200">
+                <a:solidFill>
+                  <a:schemeClr val="tx1"/>
+                </a:solidFill>
+                <a:latin typeface="+mn-lt"/>
+                <a:ea typeface="+mn-ea"/>
+                <a:cs typeface="+mn-cs"/>
+              </a:defRPr>
+            </a:lvl8pPr>
+            <a:lvl9pPr marL="3886200" indent="-228600" algn="l" defTabSz="914400" rtl="0" eaLnBrk="1" latinLnBrk="0" hangingPunct="1">
+              <a:spcBef>
+                <a:spcPct val="20000"/>
+              </a:spcBef>
+              <a:buFont typeface="Arial" pitchFamily="34" charset="0"/>
+              <a:buChar char="•"/>
+              <a:defRPr sz="2000" kern="1200">
+                <a:solidFill>
+                  <a:schemeClr val="tx1"/>
+                </a:solidFill>
+                <a:latin typeface="+mn-lt"/>
+                <a:ea typeface="+mn-ea"/>
+                <a:cs typeface="+mn-cs"/>
+              </a:defRPr>
+            </a:lvl9pPr>
+          </a:lstStyle>
+          <a:p>
+            <a:pPr marL="0" indent="0" algn="r" eaLnBrk="1" fontAlgn="auto" hangingPunct="1">
+              <a:spcAft>
+                <a:spcPts val="0"/>
+              </a:spcAft>
+              <a:buNone/>
+              <a:defRPr/>
+            </a:pPr>
+            <a:r>
+              <a:rPr lang="es-CO" sz="2000" b="1" dirty="0">
+                <a:solidFill>
+                  <a:schemeClr val="tx1">
+                    <a:lumMod val="75000"/>
+                    <a:lumOff val="25000"/>
+                  </a:schemeClr>
+                </a:solidFill>
+              </a:rPr>
+              <a:t> 6025 MICROCONTROLADORES</a:t>
+            </a:r>
+          </a:p>
+        </p:txBody>
+      </p:sp>
+    </p:spTree>
+    <p:extLst>
+      <p:ext uri="{BB962C8B-B14F-4D97-AF65-F5344CB8AC3E}">
+        <p14:creationId xmlns:p14="http://schemas.microsoft.com/office/powerpoint/2010/main" val="2419723712"/>
       </p:ext>
     </p:extLst>
   </p:cSld>
